--- a/CT_Helper.png.pptx
+++ b/CT_Helper.png.pptx
@@ -197,7 +197,7 @@
           <a:p>
             <a:fld id="{1405198C-CE32-44FB-9D51-68E976798492}" type="datetimeFigureOut">
               <a:rPr lang="zh-TW" altLang="en-US" smtClean="0"/>
-              <a:t>2020/10/21</a:t>
+              <a:t>2020/10/22</a:t>
             </a:fld>
             <a:endParaRPr lang="zh-TW" altLang="en-US"/>
           </a:p>
@@ -680,7 +680,7 @@
           <a:p>
             <a:fld id="{C2772942-5268-4626-87B3-C5771D1BED8A}" type="datetimeFigureOut">
               <a:rPr lang="zh-TW" altLang="en-US" smtClean="0"/>
-              <a:t>2020/10/21</a:t>
+              <a:t>2020/10/22</a:t>
             </a:fld>
             <a:endParaRPr lang="zh-TW" altLang="en-US"/>
           </a:p>
@@ -850,7 +850,7 @@
           <a:p>
             <a:fld id="{C2772942-5268-4626-87B3-C5771D1BED8A}" type="datetimeFigureOut">
               <a:rPr lang="zh-TW" altLang="en-US" smtClean="0"/>
-              <a:t>2020/10/21</a:t>
+              <a:t>2020/10/22</a:t>
             </a:fld>
             <a:endParaRPr lang="zh-TW" altLang="en-US"/>
           </a:p>
@@ -1030,7 +1030,7 @@
           <a:p>
             <a:fld id="{C2772942-5268-4626-87B3-C5771D1BED8A}" type="datetimeFigureOut">
               <a:rPr lang="zh-TW" altLang="en-US" smtClean="0"/>
-              <a:t>2020/10/21</a:t>
+              <a:t>2020/10/22</a:t>
             </a:fld>
             <a:endParaRPr lang="zh-TW" altLang="en-US"/>
           </a:p>
@@ -1200,7 +1200,7 @@
           <a:p>
             <a:fld id="{C2772942-5268-4626-87B3-C5771D1BED8A}" type="datetimeFigureOut">
               <a:rPr lang="zh-TW" altLang="en-US" smtClean="0"/>
-              <a:t>2020/10/21</a:t>
+              <a:t>2020/10/22</a:t>
             </a:fld>
             <a:endParaRPr lang="zh-TW" altLang="en-US"/>
           </a:p>
@@ -1446,7 +1446,7 @@
           <a:p>
             <a:fld id="{C2772942-5268-4626-87B3-C5771D1BED8A}" type="datetimeFigureOut">
               <a:rPr lang="zh-TW" altLang="en-US" smtClean="0"/>
-              <a:t>2020/10/21</a:t>
+              <a:t>2020/10/22</a:t>
             </a:fld>
             <a:endParaRPr lang="zh-TW" altLang="en-US"/>
           </a:p>
@@ -1678,7 +1678,7 @@
           <a:p>
             <a:fld id="{C2772942-5268-4626-87B3-C5771D1BED8A}" type="datetimeFigureOut">
               <a:rPr lang="zh-TW" altLang="en-US" smtClean="0"/>
-              <a:t>2020/10/21</a:t>
+              <a:t>2020/10/22</a:t>
             </a:fld>
             <a:endParaRPr lang="zh-TW" altLang="en-US"/>
           </a:p>
@@ -2045,7 +2045,7 @@
           <a:p>
             <a:fld id="{C2772942-5268-4626-87B3-C5771D1BED8A}" type="datetimeFigureOut">
               <a:rPr lang="zh-TW" altLang="en-US" smtClean="0"/>
-              <a:t>2020/10/21</a:t>
+              <a:t>2020/10/22</a:t>
             </a:fld>
             <a:endParaRPr lang="zh-TW" altLang="en-US"/>
           </a:p>
@@ -2163,7 +2163,7 @@
           <a:p>
             <a:fld id="{C2772942-5268-4626-87B3-C5771D1BED8A}" type="datetimeFigureOut">
               <a:rPr lang="zh-TW" altLang="en-US" smtClean="0"/>
-              <a:t>2020/10/21</a:t>
+              <a:t>2020/10/22</a:t>
             </a:fld>
             <a:endParaRPr lang="zh-TW" altLang="en-US"/>
           </a:p>
@@ -2258,7 +2258,7 @@
           <a:p>
             <a:fld id="{C2772942-5268-4626-87B3-C5771D1BED8A}" type="datetimeFigureOut">
               <a:rPr lang="zh-TW" altLang="en-US" smtClean="0"/>
-              <a:t>2020/10/21</a:t>
+              <a:t>2020/10/22</a:t>
             </a:fld>
             <a:endParaRPr lang="zh-TW" altLang="en-US"/>
           </a:p>
@@ -2535,7 +2535,7 @@
           <a:p>
             <a:fld id="{C2772942-5268-4626-87B3-C5771D1BED8A}" type="datetimeFigureOut">
               <a:rPr lang="zh-TW" altLang="en-US" smtClean="0"/>
-              <a:t>2020/10/21</a:t>
+              <a:t>2020/10/22</a:t>
             </a:fld>
             <a:endParaRPr lang="zh-TW" altLang="en-US"/>
           </a:p>
@@ -2788,7 +2788,7 @@
           <a:p>
             <a:fld id="{C2772942-5268-4626-87B3-C5771D1BED8A}" type="datetimeFigureOut">
               <a:rPr lang="zh-TW" altLang="en-US" smtClean="0"/>
-              <a:t>2020/10/21</a:t>
+              <a:t>2020/10/22</a:t>
             </a:fld>
             <a:endParaRPr lang="zh-TW" altLang="en-US"/>
           </a:p>
@@ -3001,7 +3001,7 @@
           <a:p>
             <a:fld id="{C2772942-5268-4626-87B3-C5771D1BED8A}" type="datetimeFigureOut">
               <a:rPr lang="zh-TW" altLang="en-US" smtClean="0"/>
-              <a:t>2020/10/21</a:t>
+              <a:t>2020/10/22</a:t>
             </a:fld>
             <a:endParaRPr lang="zh-TW" altLang="en-US"/>
           </a:p>
@@ -3414,10 +3414,10 @@
         </p:nvGrpSpPr>
         <p:grpSpPr>
           <a:xfrm>
-            <a:off x="103187" y="916371"/>
-            <a:ext cx="10945388" cy="4484303"/>
-            <a:chOff x="103187" y="916371"/>
-            <a:chExt cx="10945388" cy="4484303"/>
+            <a:off x="103187" y="944881"/>
+            <a:ext cx="10945388" cy="4455793"/>
+            <a:chOff x="103187" y="944881"/>
+            <a:chExt cx="10945388" cy="4455793"/>
           </a:xfrm>
         </p:grpSpPr>
         <p:grpSp>
@@ -3781,7 +3781,7 @@
           </p:nvCxnSpPr>
           <p:spPr>
             <a:xfrm flipV="1">
-              <a:off x="1167042" y="2033588"/>
+              <a:off x="2584783" y="2033588"/>
               <a:ext cx="7620" cy="2189161"/>
             </a:xfrm>
             <a:prstGeom prst="line">
@@ -3815,9 +3815,9 @@
             <p:nvPr/>
           </p:nvCxnSpPr>
           <p:spPr>
-            <a:xfrm flipV="1">
-              <a:off x="128329" y="916371"/>
-              <a:ext cx="1100396" cy="1128523"/>
+            <a:xfrm flipH="1" flipV="1">
+              <a:off x="1171538" y="944881"/>
+              <a:ext cx="3314191" cy="11429"/>
             </a:xfrm>
             <a:prstGeom prst="line">
               <a:avLst/>
@@ -4148,7 +4148,7 @@
             </p:nvCxnSpPr>
             <p:spPr>
               <a:xfrm flipV="1">
-                <a:off x="9352035" y="3039843"/>
+                <a:off x="9142310" y="3039843"/>
                 <a:ext cx="0" cy="378044"/>
               </a:xfrm>
               <a:prstGeom prst="line">
@@ -4182,9 +4182,9 @@
               <p:nvPr/>
             </p:nvCxnSpPr>
             <p:spPr>
-              <a:xfrm flipV="1">
-                <a:off x="6215876" y="1204072"/>
-                <a:ext cx="0" cy="378044"/>
+              <a:xfrm flipH="1" flipV="1">
+                <a:off x="5785591" y="1573287"/>
+                <a:ext cx="430286" cy="8829"/>
               </a:xfrm>
               <a:prstGeom prst="line">
                 <a:avLst/>
